--- a/ITI/TF/Volume1/media/Figure_9.4.2.3-1.pptx
+++ b/ITI/TF/Volume1/media/Figure_9.4.2.3-1.pptx
@@ -104,6 +104,11 @@
       </a:defRPr>
     </a:lvl9pPr>
   </p:defaultTextStyle>
+  <p:extLst>
+    <p:ext uri="{EFAFB233-063F-42B5-8137-9DF3F51BA10A}">
+      <p15:sldGuideLst xmlns:p15="http://schemas.microsoft.com/office/powerpoint/2012/main"/>
+    </p:ext>
+  </p:extLst>
 </p:presentation>
 </file>
 
@@ -254,7 +259,7 @@
           <a:p>
             <a:fld id="{CC6C7259-E714-544C-8CCA-67E42CC7E393}" type="datetimeFigureOut">
               <a:rPr lang="en-US" smtClean="0"/>
-              <a:t>8/10/20</a:t>
+              <a:t>8/26/20</a:t>
             </a:fld>
             <a:endParaRPr lang="en-US"/>
           </a:p>
@@ -452,7 +457,7 @@
           <a:p>
             <a:fld id="{CC6C7259-E714-544C-8CCA-67E42CC7E393}" type="datetimeFigureOut">
               <a:rPr lang="en-US" smtClean="0"/>
-              <a:t>8/10/20</a:t>
+              <a:t>8/26/20</a:t>
             </a:fld>
             <a:endParaRPr lang="en-US"/>
           </a:p>
@@ -660,7 +665,7 @@
           <a:p>
             <a:fld id="{CC6C7259-E714-544C-8CCA-67E42CC7E393}" type="datetimeFigureOut">
               <a:rPr lang="en-US" smtClean="0"/>
-              <a:t>8/10/20</a:t>
+              <a:t>8/26/20</a:t>
             </a:fld>
             <a:endParaRPr lang="en-US"/>
           </a:p>
@@ -858,7 +863,7 @@
           <a:p>
             <a:fld id="{CC6C7259-E714-544C-8CCA-67E42CC7E393}" type="datetimeFigureOut">
               <a:rPr lang="en-US" smtClean="0"/>
-              <a:t>8/10/20</a:t>
+              <a:t>8/26/20</a:t>
             </a:fld>
             <a:endParaRPr lang="en-US"/>
           </a:p>
@@ -1133,7 +1138,7 @@
           <a:p>
             <a:fld id="{CC6C7259-E714-544C-8CCA-67E42CC7E393}" type="datetimeFigureOut">
               <a:rPr lang="en-US" smtClean="0"/>
-              <a:t>8/10/20</a:t>
+              <a:t>8/26/20</a:t>
             </a:fld>
             <a:endParaRPr lang="en-US"/>
           </a:p>
@@ -1398,7 +1403,7 @@
           <a:p>
             <a:fld id="{CC6C7259-E714-544C-8CCA-67E42CC7E393}" type="datetimeFigureOut">
               <a:rPr lang="en-US" smtClean="0"/>
-              <a:t>8/10/20</a:t>
+              <a:t>8/26/20</a:t>
             </a:fld>
             <a:endParaRPr lang="en-US"/>
           </a:p>
@@ -1810,7 +1815,7 @@
           <a:p>
             <a:fld id="{CC6C7259-E714-544C-8CCA-67E42CC7E393}" type="datetimeFigureOut">
               <a:rPr lang="en-US" smtClean="0"/>
-              <a:t>8/10/20</a:t>
+              <a:t>8/26/20</a:t>
             </a:fld>
             <a:endParaRPr lang="en-US"/>
           </a:p>
@@ -1951,7 +1956,7 @@
           <a:p>
             <a:fld id="{CC6C7259-E714-544C-8CCA-67E42CC7E393}" type="datetimeFigureOut">
               <a:rPr lang="en-US" smtClean="0"/>
-              <a:t>8/10/20</a:t>
+              <a:t>8/26/20</a:t>
             </a:fld>
             <a:endParaRPr lang="en-US"/>
           </a:p>
@@ -2064,7 +2069,7 @@
           <a:p>
             <a:fld id="{CC6C7259-E714-544C-8CCA-67E42CC7E393}" type="datetimeFigureOut">
               <a:rPr lang="en-US" smtClean="0"/>
-              <a:t>8/10/20</a:t>
+              <a:t>8/26/20</a:t>
             </a:fld>
             <a:endParaRPr lang="en-US"/>
           </a:p>
@@ -2375,7 +2380,7 @@
           <a:p>
             <a:fld id="{CC6C7259-E714-544C-8CCA-67E42CC7E393}" type="datetimeFigureOut">
               <a:rPr lang="en-US" smtClean="0"/>
-              <a:t>8/10/20</a:t>
+              <a:t>8/26/20</a:t>
             </a:fld>
             <a:endParaRPr lang="en-US"/>
           </a:p>
@@ -2663,7 +2668,7 @@
           <a:p>
             <a:fld id="{CC6C7259-E714-544C-8CCA-67E42CC7E393}" type="datetimeFigureOut">
               <a:rPr lang="en-US" smtClean="0"/>
-              <a:t>8/10/20</a:t>
+              <a:t>8/26/20</a:t>
             </a:fld>
             <a:endParaRPr lang="en-US"/>
           </a:p>
@@ -2904,7 +2909,7 @@
           <a:p>
             <a:fld id="{CC6C7259-E714-544C-8CCA-67E42CC7E393}" type="datetimeFigureOut">
               <a:rPr lang="en-US" smtClean="0"/>
-              <a:t>8/10/20</a:t>
+              <a:t>8/26/20</a:t>
             </a:fld>
             <a:endParaRPr lang="en-US"/>
           </a:p>
@@ -3389,7 +3394,7 @@
         </p:nvSpPr>
         <p:spPr bwMode="auto">
           <a:xfrm flipH="1" flipV="1">
-            <a:off x="1171575" y="847725"/>
+            <a:off x="1706831" y="847725"/>
             <a:ext cx="1588" cy="2751138"/>
           </a:xfrm>
           <a:prstGeom prst="line">
@@ -3441,7 +3446,7 @@
         </p:nvSpPr>
         <p:spPr bwMode="auto">
           <a:xfrm>
-            <a:off x="922338" y="468313"/>
+            <a:off x="1457594" y="468313"/>
             <a:ext cx="984250" cy="306387"/>
           </a:xfrm>
           <a:prstGeom prst="rect">
@@ -3491,7 +3496,7 @@
               <a:tabLst/>
             </a:pPr>
             <a:r>
-              <a:rPr kumimoji="0" lang="en-US" altLang="en-US" sz="1000" b="0" i="0" u="none" strike="noStrike" cap="none" normalizeH="0" baseline="0">
+              <a:rPr kumimoji="0" lang="en-US" altLang="en-US" sz="1000" b="0" i="0" u="none" strike="noStrike" cap="none" normalizeH="0" baseline="0" dirty="0">
                 <a:ln>
                   <a:noFill/>
                 </a:ln>
@@ -3504,7 +3509,7 @@
               </a:rPr>
               <a:t>ECG Display/</a:t>
             </a:r>
-            <a:endParaRPr kumimoji="0" lang="en-US" altLang="en-US" sz="1000" b="0" i="0" u="none" strike="noStrike" cap="none" normalizeH="0" baseline="0">
+            <a:endParaRPr kumimoji="0" lang="en-US" altLang="en-US" sz="1000" b="0" i="0" u="none" strike="noStrike" cap="none" normalizeH="0" baseline="0" dirty="0">
               <a:ln>
                 <a:noFill/>
               </a:ln>
@@ -3533,7 +3538,7 @@
               <a:tabLst/>
             </a:pPr>
             <a:r>
-              <a:rPr kumimoji="0" lang="en-US" altLang="en-US" sz="1000" b="0" i="0" u="none" strike="noStrike" cap="none" normalizeH="0" baseline="0">
+              <a:rPr kumimoji="0" lang="en-US" altLang="en-US" sz="1000" b="0" i="0" u="none" strike="noStrike" cap="none" normalizeH="0" baseline="0" dirty="0">
                 <a:ln>
                   <a:noFill/>
                 </a:ln>
@@ -3546,7 +3551,7 @@
               </a:rPr>
               <a:t>Secure Node</a:t>
             </a:r>
-            <a:endParaRPr kumimoji="0" lang="en-US" altLang="en-US" sz="1800" b="0" i="0" u="none" strike="noStrike" cap="none" normalizeH="0" baseline="0">
+            <a:endParaRPr kumimoji="0" lang="en-US" altLang="en-US" sz="1800" b="0" i="0" u="none" strike="noStrike" cap="none" normalizeH="0" baseline="0" dirty="0">
               <a:ln>
                 <a:noFill/>
               </a:ln>
@@ -3755,7 +3760,7 @@
         </p:nvSpPr>
         <p:spPr bwMode="auto">
           <a:xfrm>
-            <a:off x="1320800" y="2344738"/>
+            <a:off x="1900662" y="2344738"/>
             <a:ext cx="1158875" cy="508000"/>
           </a:xfrm>
           <a:prstGeom prst="rect">
@@ -3813,8 +3818,9 @@
                   <a:schemeClr val="tx1"/>
                 </a:solidFill>
                 <a:effectLst/>
-                <a:latin typeface="Arial" panose="020B0604020202020204" pitchFamily="34" charset="0"/>
+                <a:latin typeface="Times New Roman" panose="02020603050405020304" pitchFamily="18" charset="0"/>
                 <a:ea typeface="Times New Roman" panose="02020603050405020304" pitchFamily="18" charset="0"/>
+                <a:cs typeface="Times New Roman" panose="02020603050405020304" pitchFamily="18" charset="0"/>
               </a:rPr>
               <a:t>Record Audit Event [ITI-20]</a:t>
             </a:r>
@@ -3826,7 +3832,8 @@
                 <a:schemeClr val="tx1"/>
               </a:solidFill>
               <a:effectLst/>
-              <a:latin typeface="Arial" panose="020B0604020202020204" pitchFamily="34" charset="0"/>
+              <a:latin typeface="Times New Roman" panose="02020603050405020304" pitchFamily="18" charset="0"/>
+              <a:cs typeface="Times New Roman" panose="02020603050405020304" pitchFamily="18" charset="0"/>
             </a:endParaRPr>
           </a:p>
           <a:p>
@@ -3855,8 +3862,9 @@
                   <a:schemeClr val="tx1"/>
                 </a:solidFill>
                 <a:effectLst/>
-                <a:latin typeface="Arial" panose="020B0604020202020204" pitchFamily="34" charset="0"/>
+                <a:latin typeface="Times New Roman" panose="02020603050405020304" pitchFamily="18" charset="0"/>
                 <a:ea typeface="Times New Roman" panose="02020603050405020304" pitchFamily="18" charset="0"/>
+                <a:cs typeface="Times New Roman" panose="02020603050405020304" pitchFamily="18" charset="0"/>
               </a:rPr>
               <a:t>(User Authenticated)</a:t>
             </a:r>
@@ -3868,7 +3876,8 @@
                 <a:schemeClr val="tx1"/>
               </a:solidFill>
               <a:effectLst/>
-              <a:latin typeface="Arial" panose="020B0604020202020204" pitchFamily="34" charset="0"/>
+              <a:latin typeface="Times New Roman" panose="02020603050405020304" pitchFamily="18" charset="0"/>
+              <a:cs typeface="Times New Roman" panose="02020603050405020304" pitchFamily="18" charset="0"/>
             </a:endParaRPr>
           </a:p>
         </p:txBody>
@@ -3889,7 +3898,7 @@
         </p:nvSpPr>
         <p:spPr bwMode="auto">
           <a:xfrm>
-            <a:off x="17463" y="1839913"/>
+            <a:off x="268053" y="2385820"/>
             <a:ext cx="1122362" cy="511175"/>
           </a:xfrm>
           <a:prstGeom prst="rect">
@@ -3939,7 +3948,7 @@
               <a:tabLst/>
             </a:pPr>
             <a:r>
-              <a:rPr kumimoji="0" lang="en-US" altLang="en-US" sz="1000" b="0" i="1" u="none" strike="noStrike" cap="none" normalizeH="0" baseline="0">
+              <a:rPr kumimoji="0" lang="en-US" altLang="en-US" sz="1000" b="0" i="1" u="none" strike="noStrike" cap="none" normalizeH="0" baseline="0" dirty="0">
                 <a:ln>
                   <a:noFill/>
                 </a:ln>
@@ -3947,12 +3956,13 @@
                   <a:schemeClr val="tx1"/>
                 </a:solidFill>
                 <a:effectLst/>
-                <a:latin typeface="Arial" panose="020B0604020202020204" pitchFamily="34" charset="0"/>
+                <a:latin typeface="Times New Roman" panose="02020603050405020304" pitchFamily="18" charset="0"/>
                 <a:ea typeface="Times New Roman" panose="02020603050405020304" pitchFamily="18" charset="0"/>
+                <a:cs typeface="Times New Roman" panose="02020603050405020304" pitchFamily="18" charset="0"/>
               </a:rPr>
               <a:t>Local User </a:t>
             </a:r>
-            <a:endParaRPr kumimoji="0" lang="en-US" altLang="en-US" sz="1000" b="0" i="0" u="none" strike="noStrike" cap="none" normalizeH="0" baseline="0">
+            <a:endParaRPr kumimoji="0" lang="en-US" altLang="en-US" sz="1000" b="0" i="0" u="none" strike="noStrike" cap="none" normalizeH="0" baseline="0" dirty="0">
               <a:ln>
                 <a:noFill/>
               </a:ln>
@@ -3960,7 +3970,8 @@
                 <a:schemeClr val="tx1"/>
               </a:solidFill>
               <a:effectLst/>
-              <a:latin typeface="Arial" panose="020B0604020202020204" pitchFamily="34" charset="0"/>
+              <a:latin typeface="Times New Roman" panose="02020603050405020304" pitchFamily="18" charset="0"/>
+              <a:cs typeface="Times New Roman" panose="02020603050405020304" pitchFamily="18" charset="0"/>
             </a:endParaRPr>
           </a:p>
           <a:p>
@@ -3981,7 +3992,7 @@
               <a:tabLst/>
             </a:pPr>
             <a:r>
-              <a:rPr kumimoji="0" lang="en-US" altLang="en-US" sz="1000" b="0" i="1" u="none" strike="noStrike" cap="none" normalizeH="0" baseline="0">
+              <a:rPr kumimoji="0" lang="en-US" altLang="en-US" sz="1000" b="0" i="1" u="none" strike="noStrike" cap="none" normalizeH="0" baseline="0" dirty="0">
                 <a:ln>
                   <a:noFill/>
                 </a:ln>
@@ -3989,12 +4000,13 @@
                   <a:schemeClr val="tx1"/>
                 </a:solidFill>
                 <a:effectLst/>
-                <a:latin typeface="Arial" panose="020B0604020202020204" pitchFamily="34" charset="0"/>
+                <a:latin typeface="Times New Roman" panose="02020603050405020304" pitchFamily="18" charset="0"/>
                 <a:ea typeface="Times New Roman" panose="02020603050405020304" pitchFamily="18" charset="0"/>
+                <a:cs typeface="Times New Roman" panose="02020603050405020304" pitchFamily="18" charset="0"/>
               </a:rPr>
               <a:t>Authentication</a:t>
             </a:r>
-            <a:endParaRPr kumimoji="0" lang="en-US" altLang="en-US" sz="1000" b="0" i="0" u="none" strike="noStrike" cap="none" normalizeH="0" baseline="0">
+            <a:endParaRPr kumimoji="0" lang="en-US" altLang="en-US" sz="1000" b="0" i="0" u="none" strike="noStrike" cap="none" normalizeH="0" baseline="0" dirty="0">
               <a:ln>
                 <a:noFill/>
               </a:ln>
@@ -4002,7 +4014,8 @@
                 <a:schemeClr val="tx1"/>
               </a:solidFill>
               <a:effectLst/>
-              <a:latin typeface="Arial" panose="020B0604020202020204" pitchFamily="34" charset="0"/>
+              <a:latin typeface="Times New Roman" panose="02020603050405020304" pitchFamily="18" charset="0"/>
+              <a:cs typeface="Times New Roman" panose="02020603050405020304" pitchFamily="18" charset="0"/>
             </a:endParaRPr>
           </a:p>
           <a:p>
@@ -4023,7 +4036,7 @@
               <a:tabLst/>
             </a:pPr>
             <a:r>
-              <a:rPr kumimoji="0" lang="en-US" altLang="en-US" sz="1000" b="0" i="1" u="none" strike="noStrike" cap="none" normalizeH="0" baseline="0">
+              <a:rPr kumimoji="0" lang="en-US" altLang="en-US" sz="1000" b="0" i="1" u="none" strike="noStrike" cap="none" normalizeH="0" baseline="0" dirty="0">
                 <a:ln>
                   <a:noFill/>
                 </a:ln>
@@ -4031,12 +4044,13 @@
                   <a:schemeClr val="tx1"/>
                 </a:solidFill>
                 <a:effectLst/>
-                <a:latin typeface="Arial" panose="020B0604020202020204" pitchFamily="34" charset="0"/>
+                <a:latin typeface="Times New Roman" panose="02020603050405020304" pitchFamily="18" charset="0"/>
                 <a:ea typeface="Times New Roman" panose="02020603050405020304" pitchFamily="18" charset="0"/>
+                <a:cs typeface="Times New Roman" panose="02020603050405020304" pitchFamily="18" charset="0"/>
               </a:rPr>
               <a:t>(unauthorized  user)</a:t>
             </a:r>
-            <a:endParaRPr kumimoji="0" lang="en-US" altLang="en-US" sz="1800" b="0" i="0" u="none" strike="noStrike" cap="none" normalizeH="0" baseline="0">
+            <a:endParaRPr kumimoji="0" lang="en-US" altLang="en-US" sz="1800" b="0" i="0" u="none" strike="noStrike" cap="none" normalizeH="0" baseline="0" dirty="0">
               <a:ln>
                 <a:noFill/>
               </a:ln>
@@ -4044,7 +4058,8 @@
                 <a:schemeClr val="tx1"/>
               </a:solidFill>
               <a:effectLst/>
-              <a:latin typeface="Arial" panose="020B0604020202020204" pitchFamily="34" charset="0"/>
+              <a:latin typeface="Times New Roman" panose="02020603050405020304" pitchFamily="18" charset="0"/>
+              <a:cs typeface="Times New Roman" panose="02020603050405020304" pitchFamily="18" charset="0"/>
             </a:endParaRPr>
           </a:p>
         </p:txBody>
@@ -4065,7 +4080,7 @@
         </p:nvSpPr>
         <p:spPr bwMode="auto">
           <a:xfrm flipH="1">
-            <a:off x="814388" y="2563813"/>
+            <a:off x="1338493" y="2563813"/>
             <a:ext cx="252412" cy="0"/>
           </a:xfrm>
           <a:prstGeom prst="line">
@@ -4116,7 +4131,7 @@
         </p:nvSpPr>
         <p:spPr bwMode="auto">
           <a:xfrm>
-            <a:off x="814388" y="2563813"/>
+            <a:off x="1349644" y="2563813"/>
             <a:ext cx="0" cy="254000"/>
           </a:xfrm>
           <a:prstGeom prst="line">
@@ -4167,7 +4182,7 @@
         </p:nvSpPr>
         <p:spPr bwMode="auto">
           <a:xfrm>
-            <a:off x="814388" y="2817813"/>
+            <a:off x="1338493" y="2817813"/>
             <a:ext cx="288925" cy="0"/>
           </a:xfrm>
           <a:prstGeom prst="line">
@@ -4218,7 +4233,7 @@
         </p:nvSpPr>
         <p:spPr bwMode="auto">
           <a:xfrm>
-            <a:off x="1066800" y="2382838"/>
+            <a:off x="1602056" y="2382838"/>
             <a:ext cx="198438" cy="650875"/>
           </a:xfrm>
           <a:prstGeom prst="rect">
@@ -4264,8 +4279,8 @@
         </p:nvSpPr>
         <p:spPr bwMode="auto">
           <a:xfrm>
-            <a:off x="1247775" y="2889250"/>
-            <a:ext cx="2606675" cy="0"/>
+            <a:off x="1800494" y="2852738"/>
+            <a:ext cx="2057130" cy="0"/>
           </a:xfrm>
           <a:prstGeom prst="line">
             <a:avLst/>
